--- a/IntelliMood.pptx
+++ b/IntelliMood.pptx
@@ -4286,8 +4286,24 @@
           <a:p>
             <a:r>
               <a:rPr lang="en-US" dirty="0" smtClean="0"/>
-              <a:t>IDE:</a:t>
-            </a:r>
+              <a:t>IDE</a:t>
+            </a:r>
+            <a:r>
+              <a:rPr lang="en-US" dirty="0" smtClean="0"/>
+              <a:t>:                                 Team Collaboration:</a:t>
+            </a:r>
+          </a:p>
+          <a:p>
+            <a:pPr lvl="8"/>
+            <a:r>
+              <a:rPr lang="en-US" dirty="0"/>
+              <a:t> </a:t>
+            </a:r>
+            <a:r>
+              <a:rPr lang="en-US" dirty="0" smtClean="0"/>
+              <a:t>                                          </a:t>
+            </a:r>
+            <a:endParaRPr lang="en-US" dirty="0" smtClean="0"/>
           </a:p>
           <a:p>
             <a:pPr marL="68580" indent="0">
@@ -4321,6 +4337,36 @@
           <a:xfrm>
             <a:off x="877599" y="4033483"/>
             <a:ext cx="3038475" cy="1504950"/>
+          </a:xfrm>
+          <a:prstGeom prst="rect">
+            <a:avLst/>
+          </a:prstGeom>
+        </p:spPr>
+      </p:pic>
+      <p:pic>
+        <p:nvPicPr>
+          <p:cNvPr id="4" name="Picture 3"/>
+          <p:cNvPicPr>
+            <a:picLocks noChangeAspect="1"/>
+          </p:cNvPicPr>
+          <p:nvPr/>
+        </p:nvPicPr>
+        <p:blipFill>
+          <a:blip r:embed="rId3">
+            <a:extLst>
+              <a:ext uri="{28A0092B-C50C-407E-A947-70E740481C1C}">
+                <a14:useLocalDpi xmlns:a14="http://schemas.microsoft.com/office/drawing/2010/main" val="0"/>
+              </a:ext>
+            </a:extLst>
+          </a:blip>
+          <a:stretch>
+            <a:fillRect/>
+          </a:stretch>
+        </p:blipFill>
+        <p:spPr>
+          <a:xfrm>
+            <a:off x="5202357" y="4033483"/>
+            <a:ext cx="4386493" cy="1343025"/>
           </a:xfrm>
           <a:prstGeom prst="rect">
             <a:avLst/>

--- a/IntelliMood.pptx
+++ b/IntelliMood.pptx
@@ -5,18 +5,19 @@
     <p:sldMasterId id="2147483696" r:id="rId1"/>
   </p:sldMasterIdLst>
   <p:notesMasterIdLst>
-    <p:notesMasterId r:id="rId8"/>
+    <p:notesMasterId r:id="rId9"/>
   </p:notesMasterIdLst>
   <p:handoutMasterIdLst>
-    <p:handoutMasterId r:id="rId9"/>
+    <p:handoutMasterId r:id="rId10"/>
   </p:handoutMasterIdLst>
   <p:sldIdLst>
     <p:sldId id="258" r:id="rId2"/>
     <p:sldId id="259" r:id="rId3"/>
     <p:sldId id="260" r:id="rId4"/>
     <p:sldId id="261" r:id="rId5"/>
-    <p:sldId id="263" r:id="rId6"/>
-    <p:sldId id="264" r:id="rId7"/>
+    <p:sldId id="265" r:id="rId6"/>
+    <p:sldId id="263" r:id="rId7"/>
+    <p:sldId id="264" r:id="rId8"/>
   </p:sldIdLst>
   <p:sldSz cx="12192000" cy="6858000"/>
   <p:notesSz cx="6858000" cy="9144000"/>
@@ -219,7 +220,7 @@
           <a:p>
             <a:fld id="{8906F081-8781-4431-8FD4-2CF608CD7C47}" type="datetimeFigureOut">
               <a:rPr lang="en-US" smtClean="0"/>
-              <a:t>3/16/2019</a:t>
+              <a:t>3/17/2019</a:t>
             </a:fld>
             <a:endParaRPr lang="en-US"/>
           </a:p>
@@ -384,7 +385,7 @@
           <a:p>
             <a:fld id="{F06CA47C-B7FD-4BE9-B0E6-81BA758D95F2}" type="datetimeFigureOut">
               <a:rPr lang="en-US" smtClean="0"/>
-              <a:t>3/16/2019</a:t>
+              <a:t>3/17/2019</a:t>
             </a:fld>
             <a:endParaRPr lang="en-US"/>
           </a:p>
@@ -896,7 +897,7 @@
           <a:p>
             <a:fld id="{33024136-D290-48F3-A182-4C46BEB5146B}" type="datetime1">
               <a:rPr lang="en-US" smtClean="0"/>
-              <a:t>3/16/2019</a:t>
+              <a:t>3/17/2019</a:t>
             </a:fld>
             <a:endParaRPr lang="en-US" dirty="0"/>
           </a:p>
@@ -1081,7 +1082,7 @@
           <a:p>
             <a:fld id="{9CC7D44C-38B1-4D0F-9006-D5774F331095}" type="datetime1">
               <a:rPr lang="en-US" smtClean="0"/>
-              <a:t>3/16/2019</a:t>
+              <a:t>3/17/2019</a:t>
             </a:fld>
             <a:endParaRPr lang="en-US"/>
           </a:p>
@@ -1276,7 +1277,7 @@
           <a:p>
             <a:fld id="{F98D518A-FD4F-4358-B95B-9DB5A17160FB}" type="datetime1">
               <a:rPr lang="en-US" smtClean="0"/>
-              <a:t>3/16/2019</a:t>
+              <a:t>3/17/2019</a:t>
             </a:fld>
             <a:endParaRPr lang="en-US"/>
           </a:p>
@@ -1470,7 +1471,7 @@
           <a:p>
             <a:fld id="{5E2A9F4F-03AD-4497-A65D-076601BD41D2}" type="datetime1">
               <a:rPr lang="en-US" smtClean="0"/>
-              <a:t>3/16/2019</a:t>
+              <a:t>3/17/2019</a:t>
             </a:fld>
             <a:endParaRPr lang="en-US"/>
           </a:p>
@@ -1694,7 +1695,7 @@
           <a:p>
             <a:fld id="{EDFBF3AC-A781-43AA-8BD5-B12F49168B94}" type="datetime1">
               <a:rPr lang="en-US" smtClean="0"/>
-              <a:t>3/16/2019</a:t>
+              <a:t>3/17/2019</a:t>
             </a:fld>
             <a:endParaRPr lang="en-US"/>
           </a:p>
@@ -1980,7 +1981,7 @@
           <a:p>
             <a:fld id="{C5256A41-C91B-43FF-9881-F5DA9878418F}" type="datetime1">
               <a:rPr lang="en-US" smtClean="0"/>
-              <a:t>3/16/2019</a:t>
+              <a:t>3/17/2019</a:t>
             </a:fld>
             <a:endParaRPr lang="en-US"/>
           </a:p>
@@ -2384,7 +2385,7 @@
           <a:p>
             <a:fld id="{FFD7AA76-41EE-4C13-950E-E611B8B8FC52}" type="datetime1">
               <a:rPr lang="en-US" smtClean="0"/>
-              <a:t>3/16/2019</a:t>
+              <a:t>3/17/2019</a:t>
             </a:fld>
             <a:endParaRPr lang="en-US"/>
           </a:p>
@@ -2532,7 +2533,7 @@
           <a:p>
             <a:fld id="{89407A26-E7BC-4498-97E4-87AF12377CA9}" type="datetime1">
               <a:rPr lang="en-US" smtClean="0"/>
-              <a:t>3/16/2019</a:t>
+              <a:t>3/17/2019</a:t>
             </a:fld>
             <a:endParaRPr lang="en-US"/>
           </a:p>
@@ -2647,7 +2648,7 @@
           <a:p>
             <a:fld id="{93EA4171-1117-4486-993C-35A7470D8847}" type="datetime1">
               <a:rPr lang="en-US" smtClean="0"/>
-              <a:t>3/16/2019</a:t>
+              <a:t>3/17/2019</a:t>
             </a:fld>
             <a:endParaRPr lang="en-US"/>
           </a:p>
@@ -2920,7 +2921,7 @@
           <a:p>
             <a:fld id="{472A4CB8-1563-4663-81DB-74EB416C19BE}" type="datetime1">
               <a:rPr lang="en-US" smtClean="0"/>
-              <a:t>3/16/2019</a:t>
+              <a:t>3/17/2019</a:t>
             </a:fld>
             <a:endParaRPr lang="en-US"/>
           </a:p>
@@ -3258,7 +3259,7 @@
           <a:p>
             <a:fld id="{0C6724CE-2468-448B-87C1-A92EDD78369B}" type="datetime1">
               <a:rPr lang="en-US" smtClean="0"/>
-              <a:t>3/16/2019</a:t>
+              <a:t>3/17/2019</a:t>
             </a:fld>
             <a:endParaRPr lang="en-US"/>
           </a:p>
@@ -3521,7 +3522,7 @@
           <a:p>
             <a:fld id="{4CD11720-76E7-46E6-B0AA-057287C42052}" type="datetime1">
               <a:rPr lang="en-US" smtClean="0"/>
-              <a:t>3/16/2019</a:t>
+              <a:t>3/17/2019</a:t>
             </a:fld>
             <a:endParaRPr lang="en-US" dirty="0"/>
           </a:p>
@@ -4286,11 +4287,7 @@
           <a:p>
             <a:r>
               <a:rPr lang="en-US" dirty="0" smtClean="0"/>
-              <a:t>IDE</a:t>
-            </a:r>
-            <a:r>
-              <a:rPr lang="en-US" dirty="0" smtClean="0"/>
-              <a:t>:                                 Team Collaboration:</a:t>
+              <a:t>IDE:                                 Team Collaboration:</a:t>
             </a:r>
           </a:p>
           <a:p>
@@ -4303,7 +4300,6 @@
               <a:rPr lang="en-US" dirty="0" smtClean="0"/>
               <a:t>                                          </a:t>
             </a:r>
-            <a:endParaRPr lang="en-US" dirty="0" smtClean="0"/>
           </a:p>
           <a:p>
             <a:pPr marL="68580" indent="0">
@@ -4432,6 +4428,100 @@
           <a:p>
             <a:r>
               <a:rPr lang="en-US" dirty="0" smtClean="0"/>
+              <a:t>Team Work</a:t>
+            </a:r>
+            <a:endParaRPr lang="en-US" dirty="0"/>
+          </a:p>
+        </p:txBody>
+      </p:sp>
+      <p:pic>
+        <p:nvPicPr>
+          <p:cNvPr id="4" name="Content Placeholder 3"/>
+          <p:cNvPicPr>
+            <a:picLocks noGrp="1" noChangeAspect="1"/>
+          </p:cNvPicPr>
+          <p:nvPr>
+            <p:ph idx="1"/>
+          </p:nvPr>
+        </p:nvPicPr>
+        <p:blipFill>
+          <a:blip r:embed="rId2" cstate="print">
+            <a:extLst>
+              <a:ext uri="{28A0092B-C50C-407E-A947-70E740481C1C}">
+                <a14:useLocalDpi xmlns:a14="http://schemas.microsoft.com/office/drawing/2010/main" val="0"/>
+              </a:ext>
+            </a:extLst>
+          </a:blip>
+          <a:stretch>
+            <a:fillRect/>
+          </a:stretch>
+        </p:blipFill>
+        <p:spPr>
+          <a:xfrm>
+            <a:off x="2075556" y="1426464"/>
+            <a:ext cx="7803604" cy="4389527"/>
+          </a:xfrm>
+        </p:spPr>
+      </p:pic>
+    </p:spTree>
+    <p:extLst>
+      <p:ext uri="{BB962C8B-B14F-4D97-AF65-F5344CB8AC3E}">
+        <p14:creationId xmlns:p14="http://schemas.microsoft.com/office/powerpoint/2010/main" val="2370274954"/>
+      </p:ext>
+    </p:extLst>
+  </p:cSld>
+  <p:clrMapOvr>
+    <a:masterClrMapping/>
+  </p:clrMapOvr>
+  <mc:AlternateContent xmlns:mc="http://schemas.openxmlformats.org/markup-compatibility/2006" xmlns:p14="http://schemas.microsoft.com/office/powerpoint/2010/main">
+    <mc:Choice Requires="p14">
+      <p:transition spd="med" p14:dur="700">
+        <p:fade/>
+      </p:transition>
+    </mc:Choice>
+    <mc:Fallback xmlns="">
+      <p:transition spd="med">
+        <p:fade/>
+      </p:transition>
+    </mc:Fallback>
+  </mc:AlternateContent>
+</p:sld>
+</file>
+
+<file path=ppt/slides/slide6.xml><?xml version="1.0" encoding="utf-8"?>
+<p:sld xmlns:a="http://schemas.openxmlformats.org/drawingml/2006/main" xmlns:r="http://schemas.openxmlformats.org/officeDocument/2006/relationships" xmlns:p="http://schemas.openxmlformats.org/presentationml/2006/main">
+  <p:cSld>
+    <p:spTree>
+      <p:nvGrpSpPr>
+        <p:cNvPr id="1" name=""/>
+        <p:cNvGrpSpPr/>
+        <p:nvPr/>
+      </p:nvGrpSpPr>
+      <p:grpSpPr>
+        <a:xfrm>
+          <a:off x="0" y="0"/>
+          <a:ext cx="0" cy="0"/>
+          <a:chOff x="0" y="0"/>
+          <a:chExt cx="0" cy="0"/>
+        </a:xfrm>
+      </p:grpSpPr>
+      <p:sp>
+        <p:nvSpPr>
+          <p:cNvPr id="2" name="Title 1"/>
+          <p:cNvSpPr>
+            <a:spLocks noGrp="1"/>
+          </p:cNvSpPr>
+          <p:nvPr>
+            <p:ph type="title"/>
+          </p:nvPr>
+        </p:nvSpPr>
+        <p:spPr/>
+        <p:txBody>
+          <a:bodyPr/>
+          <a:lstStyle/>
+          <a:p>
+            <a:r>
+              <a:rPr lang="en-US" dirty="0" smtClean="0"/>
               <a:t>Difficulties</a:t>
             </a:r>
             <a:endParaRPr lang="en-US" dirty="0"/>
@@ -4513,7 +4603,7 @@
 </p:sld>
 </file>
 
-<file path=ppt/slides/slide6.xml><?xml version="1.0" encoding="utf-8"?>
+<file path=ppt/slides/slide7.xml><?xml version="1.0" encoding="utf-8"?>
 <p:sld xmlns:a="http://schemas.openxmlformats.org/drawingml/2006/main" xmlns:r="http://schemas.openxmlformats.org/officeDocument/2006/relationships" xmlns:p="http://schemas.openxmlformats.org/presentationml/2006/main">
   <p:cSld>
     <p:spTree>

--- a/IntelliMood.pptx
+++ b/IntelliMood.pptx
@@ -5,10 +5,10 @@
     <p:sldMasterId id="2147483696" r:id="rId1"/>
   </p:sldMasterIdLst>
   <p:notesMasterIdLst>
-    <p:notesMasterId r:id="rId9"/>
+    <p:notesMasterId r:id="rId10"/>
   </p:notesMasterIdLst>
   <p:handoutMasterIdLst>
-    <p:handoutMasterId r:id="rId10"/>
+    <p:handoutMasterId r:id="rId11"/>
   </p:handoutMasterIdLst>
   <p:sldIdLst>
     <p:sldId id="258" r:id="rId2"/>
@@ -18,6 +18,7 @@
     <p:sldId id="265" r:id="rId6"/>
     <p:sldId id="263" r:id="rId7"/>
     <p:sldId id="264" r:id="rId8"/>
+    <p:sldId id="266" r:id="rId9"/>
   </p:sldIdLst>
   <p:sldSz cx="12192000" cy="6858000"/>
   <p:notesSz cx="6858000" cy="9144000"/>
@@ -3966,6 +3967,13 @@
       </p:transition>
     </mc:Fallback>
   </mc:AlternateContent>
+  <p:timing>
+    <p:tnLst>
+      <p:par>
+        <p:cTn id="1" dur="indefinite" restart="never" nodeType="tmRoot"/>
+      </p:par>
+    </p:tnLst>
+  </p:timing>
 </p:sld>
 </file>
 
@@ -4045,12 +4053,16 @@
               <a:t> – </a:t>
             </a:r>
             <a:r>
-              <a:rPr lang="bg-BG" sz="2400" b="1" dirty="0"/>
-              <a:t>капитан, </a:t>
+              <a:rPr lang="bg-BG" sz="2400" b="1" dirty="0" smtClean="0"/>
+              <a:t>капитан</a:t>
+            </a:r>
+            <a:r>
+              <a:rPr lang="en-US" sz="2400" b="1" dirty="0" smtClean="0"/>
+              <a:t>, </a:t>
             </a:r>
             <a:r>
               <a:rPr lang="en-US" sz="2400" b="1" dirty="0"/>
-              <a:t>front-end, back-end, machine learning</a:t>
+              <a:t>back-end, machine learning</a:t>
             </a:r>
           </a:p>
           <a:p>
@@ -4111,6 +4123,13 @@
       </p:transition>
     </mc:Fallback>
   </mc:AlternateContent>
+  <p:timing>
+    <p:tnLst>
+      <p:par>
+        <p:cTn id="1" dur="indefinite" restart="never" nodeType="tmRoot"/>
+      </p:par>
+    </p:tnLst>
+  </p:timing>
 </p:sld>
 </file>
 
@@ -4199,6 +4218,13 @@
       </p:transition>
     </mc:Fallback>
   </mc:AlternateContent>
+  <p:timing>
+    <p:tnLst>
+      <p:par>
+        <p:cTn id="1" dur="indefinite" restart="never" nodeType="tmRoot"/>
+      </p:par>
+    </p:tnLst>
+  </p:timing>
 </p:sld>
 </file>
 
@@ -4254,7 +4280,7 @@
         </p:nvSpPr>
         <p:spPr>
           <a:xfrm>
-            <a:off x="619124" y="1770502"/>
+            <a:off x="619125" y="1426464"/>
             <a:ext cx="10963275" cy="4525963"/>
           </a:xfrm>
         </p:spPr>
@@ -4273,8 +4299,40 @@
               <a:t>C</a:t>
             </a:r>
             <a:r>
+              <a:rPr lang="en-US" dirty="0" smtClean="0"/>
+              <a:t>#</a:t>
+            </a:r>
+            <a:r>
+              <a:rPr lang="bg-BG" dirty="0" smtClean="0"/>
+              <a:t>, </a:t>
+            </a:r>
+            <a:r>
+              <a:rPr lang="en-US" dirty="0" err="1" smtClean="0"/>
+              <a:t>Asp.Net</a:t>
+            </a:r>
+            <a:r>
+              <a:rPr lang="en-US" dirty="0" smtClean="0"/>
+              <a:t> Core, </a:t>
+            </a:r>
+            <a:r>
+              <a:rPr lang="en-US" dirty="0" err="1" smtClean="0"/>
+              <a:t>EntityFramework</a:t>
+            </a:r>
+            <a:r>
+              <a:rPr lang="en-US" dirty="0" smtClean="0"/>
+              <a:t> Core, </a:t>
+            </a:r>
+            <a:r>
+              <a:rPr lang="en-US" dirty="0" err="1" smtClean="0"/>
+              <a:t>ML.Net</a:t>
+            </a:r>
+            <a:r>
+              <a:rPr lang="en-US" dirty="0" smtClean="0"/>
+              <a:t>, </a:t>
+            </a:r>
+            <a:r>
               <a:rPr lang="en-US" dirty="0"/>
-              <a:t>#, HTML, </a:t>
+              <a:t>HTML, </a:t>
             </a:r>
             <a:r>
               <a:rPr lang="en-US" dirty="0" smtClean="0"/>
@@ -4287,8 +4345,13 @@
           <a:p>
             <a:r>
               <a:rPr lang="en-US" dirty="0" smtClean="0"/>
-              <a:t>IDE:                                 Team Collaboration:</a:t>
-            </a:r>
+              <a:t>IDE:                                 Team </a:t>
+            </a:r>
+            <a:r>
+              <a:rPr lang="en-US" dirty="0" smtClean="0"/>
+              <a:t>Collaboration Tool:</a:t>
+            </a:r>
+            <a:endParaRPr lang="en-US" dirty="0" smtClean="0"/>
           </a:p>
           <a:p>
             <a:pPr lvl="8"/>
@@ -4391,6 +4454,13 @@
       </p:transition>
     </mc:Fallback>
   </mc:AlternateContent>
+  <p:timing>
+    <p:tnLst>
+      <p:par>
+        <p:cTn id="1" dur="indefinite" restart="never" nodeType="tmRoot"/>
+      </p:par>
+    </p:tnLst>
+  </p:timing>
 </p:sld>
 </file>
 
@@ -4485,6 +4555,13 @@
       </p:transition>
     </mc:Fallback>
   </mc:AlternateContent>
+  <p:timing>
+    <p:tnLst>
+      <p:par>
+        <p:cTn id="1" dur="indefinite" restart="never" nodeType="tmRoot"/>
+      </p:par>
+    </p:tnLst>
+  </p:timing>
 </p:sld>
 </file>
 
@@ -4538,9 +4615,16 @@
             <p:ph idx="1"/>
           </p:nvPr>
         </p:nvSpPr>
-        <p:spPr/>
-        <p:txBody>
-          <a:bodyPr/>
+        <p:spPr>
+          <a:xfrm>
+            <a:off x="1219200" y="1346954"/>
+            <a:ext cx="10363200" cy="4572000"/>
+          </a:xfrm>
+        </p:spPr>
+        <p:txBody>
+          <a:bodyPr>
+            <a:normAutofit fontScale="85000" lnSpcReduction="20000"/>
+          </a:bodyPr>
           <a:lstStyle/>
           <a:p>
             <a:r>
@@ -4572,8 +4656,36 @@
           <a:p>
             <a:r>
               <a:rPr lang="en-US" dirty="0" smtClean="0"/>
-              <a:t>Extracting emotions from text</a:t>
-            </a:r>
+              <a:t>Extracting emotions from </a:t>
+            </a:r>
+            <a:r>
+              <a:rPr lang="en-US" dirty="0" smtClean="0"/>
+              <a:t>text</a:t>
+            </a:r>
+          </a:p>
+          <a:p>
+            <a:endParaRPr lang="en-US" dirty="0"/>
+          </a:p>
+          <a:p>
+            <a:r>
+              <a:rPr lang="en-US" dirty="0" err="1" smtClean="0"/>
+              <a:t>ML.Net</a:t>
+            </a:r>
+            <a:r>
+              <a:rPr lang="en-US" dirty="0" smtClean="0"/>
+              <a:t> library</a:t>
+            </a:r>
+          </a:p>
+          <a:p>
+            <a:endParaRPr lang="en-US" dirty="0"/>
+          </a:p>
+          <a:p>
+            <a:r>
+              <a:rPr lang="en-US" dirty="0" smtClean="0"/>
+              <a:t>Mobile Friendly</a:t>
+            </a:r>
+          </a:p>
+          <a:p>
             <a:endParaRPr lang="en-US" dirty="0"/>
           </a:p>
         </p:txBody>
@@ -4660,7 +4772,43 @@
           <a:p>
             <a:r>
               <a:rPr lang="en-US" dirty="0" smtClean="0"/>
-              <a:t>A mobile version for both Android and IOS</a:t>
+              <a:t>A mobile version for both Android and </a:t>
+            </a:r>
+            <a:r>
+              <a:rPr lang="en-US" dirty="0" smtClean="0"/>
+              <a:t>IOS</a:t>
+            </a:r>
+          </a:p>
+          <a:p>
+            <a:r>
+              <a:rPr lang="en-US" dirty="0" smtClean="0"/>
+              <a:t>Different ways of logging in (Facebook, Google, </a:t>
+            </a:r>
+            <a:r>
+              <a:rPr lang="en-US" dirty="0" err="1" smtClean="0"/>
+              <a:t>GitHub</a:t>
+            </a:r>
+            <a:r>
+              <a:rPr lang="en-US" dirty="0" smtClean="0"/>
+              <a:t> </a:t>
+            </a:r>
+            <a:r>
+              <a:rPr lang="en-US" dirty="0" err="1" smtClean="0"/>
+              <a:t>etc</a:t>
+            </a:r>
+            <a:r>
+              <a:rPr lang="en-US" dirty="0" smtClean="0"/>
+              <a:t>)</a:t>
+            </a:r>
+          </a:p>
+          <a:p>
+            <a:r>
+              <a:rPr lang="en-US" dirty="0" smtClean="0"/>
+              <a:t>Notifications based on </a:t>
+            </a:r>
+            <a:r>
+              <a:rPr lang="en-US" smtClean="0"/>
+              <a:t>user time zone</a:t>
             </a:r>
             <a:endParaRPr lang="en-US" dirty="0"/>
           </a:p>
@@ -4683,6 +4831,94 @@
       </p:transition>
     </mc:Choice>
     <mc:Fallback xmlns="">
+      <p:transition spd="med">
+        <p:fade/>
+      </p:transition>
+    </mc:Fallback>
+  </mc:AlternateContent>
+</p:sld>
+</file>
+
+<file path=ppt/slides/slide8.xml><?xml version="1.0" encoding="utf-8"?>
+<p:sld xmlns:a="http://schemas.openxmlformats.org/drawingml/2006/main" xmlns:r="http://schemas.openxmlformats.org/officeDocument/2006/relationships" xmlns:p="http://schemas.openxmlformats.org/presentationml/2006/main">
+  <p:cSld>
+    <p:spTree>
+      <p:nvGrpSpPr>
+        <p:cNvPr id="1" name=""/>
+        <p:cNvGrpSpPr/>
+        <p:nvPr/>
+      </p:nvGrpSpPr>
+      <p:grpSpPr>
+        <a:xfrm>
+          <a:off x="0" y="0"/>
+          <a:ext cx="0" cy="0"/>
+          <a:chOff x="0" y="0"/>
+          <a:chExt cx="0" cy="0"/>
+        </a:xfrm>
+      </p:grpSpPr>
+      <p:sp>
+        <p:nvSpPr>
+          <p:cNvPr id="2" name="Title 1"/>
+          <p:cNvSpPr>
+            <a:spLocks noGrp="1"/>
+          </p:cNvSpPr>
+          <p:nvPr>
+            <p:ph type="title"/>
+          </p:nvPr>
+        </p:nvSpPr>
+        <p:spPr/>
+        <p:txBody>
+          <a:bodyPr/>
+          <a:lstStyle/>
+          <a:p>
+            <a:r>
+              <a:rPr lang="en-US" dirty="0" smtClean="0"/>
+              <a:t>That’s all, folks!</a:t>
+            </a:r>
+            <a:endParaRPr lang="en-US" dirty="0"/>
+          </a:p>
+        </p:txBody>
+      </p:sp>
+      <p:sp>
+        <p:nvSpPr>
+          <p:cNvPr id="3" name="Content Placeholder 2"/>
+          <p:cNvSpPr>
+            <a:spLocks noGrp="1"/>
+          </p:cNvSpPr>
+          <p:nvPr>
+            <p:ph idx="1"/>
+          </p:nvPr>
+        </p:nvSpPr>
+        <p:spPr/>
+        <p:txBody>
+          <a:bodyPr/>
+          <a:lstStyle/>
+          <a:p>
+            <a:r>
+              <a:rPr lang="en-US" dirty="0" smtClean="0"/>
+              <a:t>Questions?</a:t>
+            </a:r>
+            <a:endParaRPr lang="en-US" dirty="0"/>
+          </a:p>
+        </p:txBody>
+      </p:sp>
+    </p:spTree>
+    <p:extLst>
+      <p:ext uri="{BB962C8B-B14F-4D97-AF65-F5344CB8AC3E}">
+        <p14:creationId xmlns:p14="http://schemas.microsoft.com/office/powerpoint/2010/main" val="2792188525"/>
+      </p:ext>
+    </p:extLst>
+  </p:cSld>
+  <p:clrMapOvr>
+    <a:masterClrMapping/>
+  </p:clrMapOvr>
+  <mc:AlternateContent xmlns:mc="http://schemas.openxmlformats.org/markup-compatibility/2006">
+    <mc:Choice xmlns:p14="http://schemas.microsoft.com/office/powerpoint/2010/main" Requires="p14">
+      <p:transition spd="med" p14:dur="700">
+        <p:fade/>
+      </p:transition>
+    </mc:Choice>
+    <mc:Fallback>
       <p:transition spd="med">
         <p:fade/>
       </p:transition>

--- a/IntelliMood.pptx
+++ b/IntelliMood.pptx
@@ -5,20 +5,19 @@
     <p:sldMasterId id="2147483696" r:id="rId1"/>
   </p:sldMasterIdLst>
   <p:notesMasterIdLst>
-    <p:notesMasterId r:id="rId10"/>
+    <p:notesMasterId r:id="rId9"/>
   </p:notesMasterIdLst>
   <p:handoutMasterIdLst>
-    <p:handoutMasterId r:id="rId11"/>
+    <p:handoutMasterId r:id="rId10"/>
   </p:handoutMasterIdLst>
   <p:sldIdLst>
     <p:sldId id="258" r:id="rId2"/>
     <p:sldId id="259" r:id="rId3"/>
     <p:sldId id="260" r:id="rId4"/>
     <p:sldId id="261" r:id="rId5"/>
-    <p:sldId id="265" r:id="rId6"/>
-    <p:sldId id="263" r:id="rId7"/>
-    <p:sldId id="264" r:id="rId8"/>
-    <p:sldId id="266" r:id="rId9"/>
+    <p:sldId id="263" r:id="rId6"/>
+    <p:sldId id="264" r:id="rId7"/>
+    <p:sldId id="266" r:id="rId8"/>
   </p:sldIdLst>
   <p:sldSz cx="12192000" cy="6858000"/>
   <p:notesSz cx="6858000" cy="9144000"/>
@@ -221,7 +220,7 @@
           <a:p>
             <a:fld id="{8906F081-8781-4431-8FD4-2CF608CD7C47}" type="datetimeFigureOut">
               <a:rPr lang="en-US" smtClean="0"/>
-              <a:t>3/17/2019</a:t>
+              <a:t>4/19/2019</a:t>
             </a:fld>
             <a:endParaRPr lang="en-US"/>
           </a:p>
@@ -386,7 +385,7 @@
           <a:p>
             <a:fld id="{F06CA47C-B7FD-4BE9-B0E6-81BA758D95F2}" type="datetimeFigureOut">
               <a:rPr lang="en-US" smtClean="0"/>
-              <a:t>3/17/2019</a:t>
+              <a:t>4/19/2019</a:t>
             </a:fld>
             <a:endParaRPr lang="en-US"/>
           </a:p>
@@ -898,7 +897,7 @@
           <a:p>
             <a:fld id="{33024136-D290-48F3-A182-4C46BEB5146B}" type="datetime1">
               <a:rPr lang="en-US" smtClean="0"/>
-              <a:t>3/17/2019</a:t>
+              <a:t>4/19/2019</a:t>
             </a:fld>
             <a:endParaRPr lang="en-US" dirty="0"/>
           </a:p>
@@ -1083,7 +1082,7 @@
           <a:p>
             <a:fld id="{9CC7D44C-38B1-4D0F-9006-D5774F331095}" type="datetime1">
               <a:rPr lang="en-US" smtClean="0"/>
-              <a:t>3/17/2019</a:t>
+              <a:t>4/19/2019</a:t>
             </a:fld>
             <a:endParaRPr lang="en-US"/>
           </a:p>
@@ -1278,7 +1277,7 @@
           <a:p>
             <a:fld id="{F98D518A-FD4F-4358-B95B-9DB5A17160FB}" type="datetime1">
               <a:rPr lang="en-US" smtClean="0"/>
-              <a:t>3/17/2019</a:t>
+              <a:t>4/19/2019</a:t>
             </a:fld>
             <a:endParaRPr lang="en-US"/>
           </a:p>
@@ -1472,7 +1471,7 @@
           <a:p>
             <a:fld id="{5E2A9F4F-03AD-4497-A65D-076601BD41D2}" type="datetime1">
               <a:rPr lang="en-US" smtClean="0"/>
-              <a:t>3/17/2019</a:t>
+              <a:t>4/19/2019</a:t>
             </a:fld>
             <a:endParaRPr lang="en-US"/>
           </a:p>
@@ -1696,7 +1695,7 @@
           <a:p>
             <a:fld id="{EDFBF3AC-A781-43AA-8BD5-B12F49168B94}" type="datetime1">
               <a:rPr lang="en-US" smtClean="0"/>
-              <a:t>3/17/2019</a:t>
+              <a:t>4/19/2019</a:t>
             </a:fld>
             <a:endParaRPr lang="en-US"/>
           </a:p>
@@ -1982,7 +1981,7 @@
           <a:p>
             <a:fld id="{C5256A41-C91B-43FF-9881-F5DA9878418F}" type="datetime1">
               <a:rPr lang="en-US" smtClean="0"/>
-              <a:t>3/17/2019</a:t>
+              <a:t>4/19/2019</a:t>
             </a:fld>
             <a:endParaRPr lang="en-US"/>
           </a:p>
@@ -2386,7 +2385,7 @@
           <a:p>
             <a:fld id="{FFD7AA76-41EE-4C13-950E-E611B8B8FC52}" type="datetime1">
               <a:rPr lang="en-US" smtClean="0"/>
-              <a:t>3/17/2019</a:t>
+              <a:t>4/19/2019</a:t>
             </a:fld>
             <a:endParaRPr lang="en-US"/>
           </a:p>
@@ -2534,7 +2533,7 @@
           <a:p>
             <a:fld id="{89407A26-E7BC-4498-97E4-87AF12377CA9}" type="datetime1">
               <a:rPr lang="en-US" smtClean="0"/>
-              <a:t>3/17/2019</a:t>
+              <a:t>4/19/2019</a:t>
             </a:fld>
             <a:endParaRPr lang="en-US"/>
           </a:p>
@@ -2649,7 +2648,7 @@
           <a:p>
             <a:fld id="{93EA4171-1117-4486-993C-35A7470D8847}" type="datetime1">
               <a:rPr lang="en-US" smtClean="0"/>
-              <a:t>3/17/2019</a:t>
+              <a:t>4/19/2019</a:t>
             </a:fld>
             <a:endParaRPr lang="en-US"/>
           </a:p>
@@ -2922,7 +2921,7 @@
           <a:p>
             <a:fld id="{472A4CB8-1563-4663-81DB-74EB416C19BE}" type="datetime1">
               <a:rPr lang="en-US" smtClean="0"/>
-              <a:t>3/17/2019</a:t>
+              <a:t>4/19/2019</a:t>
             </a:fld>
             <a:endParaRPr lang="en-US"/>
           </a:p>
@@ -3260,7 +3259,7 @@
           <a:p>
             <a:fld id="{0C6724CE-2468-448B-87C1-A92EDD78369B}" type="datetime1">
               <a:rPr lang="en-US" smtClean="0"/>
-              <a:t>3/17/2019</a:t>
+              <a:t>4/19/2019</a:t>
             </a:fld>
             <a:endParaRPr lang="en-US"/>
           </a:p>
@@ -3523,7 +3522,7 @@
           <a:p>
             <a:fld id="{4CD11720-76E7-46E6-B0AA-057287C42052}" type="datetime1">
               <a:rPr lang="en-US" smtClean="0"/>
-              <a:t>3/17/2019</a:t>
+              <a:t>4/19/2019</a:t>
             </a:fld>
             <a:endParaRPr lang="en-US" dirty="0"/>
           </a:p>
@@ -4053,16 +4052,12 @@
               <a:t> – </a:t>
             </a:r>
             <a:r>
-              <a:rPr lang="bg-BG" sz="2400" b="1" dirty="0" smtClean="0"/>
-              <a:t>капитан</a:t>
-            </a:r>
-            <a:r>
               <a:rPr lang="en-US" sz="2400" b="1" dirty="0" smtClean="0"/>
-              <a:t>, </a:t>
+              <a:t>back-end</a:t>
             </a:r>
             <a:r>
               <a:rPr lang="en-US" sz="2400" b="1" dirty="0"/>
-              <a:t>back-end, machine learning</a:t>
+              <a:t>, machine learning</a:t>
             </a:r>
           </a:p>
           <a:p>
@@ -4296,11 +4291,7 @@
           <a:p>
             <a:r>
               <a:rPr lang="en-US" dirty="0" smtClean="0"/>
-              <a:t>C</a:t>
-            </a:r>
-            <a:r>
-              <a:rPr lang="en-US" dirty="0" smtClean="0"/>
-              <a:t>#</a:t>
+              <a:t>C#</a:t>
             </a:r>
             <a:r>
               <a:rPr lang="bg-BG" dirty="0" smtClean="0"/>
@@ -4345,13 +4336,8 @@
           <a:p>
             <a:r>
               <a:rPr lang="en-US" dirty="0" smtClean="0"/>
-              <a:t>IDE:                                 Team </a:t>
-            </a:r>
-            <a:r>
-              <a:rPr lang="en-US" dirty="0" smtClean="0"/>
-              <a:t>Collaboration Tool:</a:t>
-            </a:r>
-            <a:endParaRPr lang="en-US" dirty="0" smtClean="0"/>
+              <a:t>IDE:                                 Team Collaboration Tool:</a:t>
+            </a:r>
           </a:p>
           <a:p>
             <a:pPr lvl="8"/>
@@ -4498,45 +4484,97 @@
           <a:p>
             <a:r>
               <a:rPr lang="en-US" dirty="0" smtClean="0"/>
-              <a:t>Team Work</a:t>
+              <a:t>Difficulties</a:t>
             </a:r>
             <a:endParaRPr lang="en-US" dirty="0"/>
           </a:p>
         </p:txBody>
       </p:sp>
-      <p:pic>
-        <p:nvPicPr>
-          <p:cNvPr id="4" name="Content Placeholder 3"/>
-          <p:cNvPicPr>
-            <a:picLocks noGrp="1" noChangeAspect="1"/>
-          </p:cNvPicPr>
+      <p:sp>
+        <p:nvSpPr>
+          <p:cNvPr id="3" name="Content Placeholder 2"/>
+          <p:cNvSpPr>
+            <a:spLocks noGrp="1"/>
+          </p:cNvSpPr>
           <p:nvPr>
             <p:ph idx="1"/>
           </p:nvPr>
-        </p:nvPicPr>
-        <p:blipFill>
-          <a:blip r:embed="rId2" cstate="print">
-            <a:extLst>
-              <a:ext uri="{28A0092B-C50C-407E-A947-70E740481C1C}">
-                <a14:useLocalDpi xmlns:a14="http://schemas.microsoft.com/office/drawing/2010/main" val="0"/>
-              </a:ext>
-            </a:extLst>
-          </a:blip>
-          <a:stretch>
-            <a:fillRect/>
-          </a:stretch>
-        </p:blipFill>
+        </p:nvSpPr>
         <p:spPr>
           <a:xfrm>
-            <a:off x="2075556" y="1426464"/>
-            <a:ext cx="7803604" cy="4389527"/>
+            <a:off x="1219200" y="1346954"/>
+            <a:ext cx="10363200" cy="4572000"/>
           </a:xfrm>
         </p:spPr>
-      </p:pic>
+        <p:txBody>
+          <a:bodyPr>
+            <a:normAutofit fontScale="85000" lnSpcReduction="20000"/>
+          </a:bodyPr>
+          <a:lstStyle/>
+          <a:p>
+            <a:r>
+              <a:rPr lang="en-US" dirty="0" smtClean="0"/>
+              <a:t>Sidebar when logged in</a:t>
+            </a:r>
+          </a:p>
+          <a:p>
+            <a:endParaRPr lang="en-US" dirty="0"/>
+          </a:p>
+          <a:p>
+            <a:r>
+              <a:rPr lang="en-US" dirty="0" smtClean="0"/>
+              <a:t>Calendar</a:t>
+            </a:r>
+          </a:p>
+          <a:p>
+            <a:endParaRPr lang="en-US" dirty="0"/>
+          </a:p>
+          <a:p>
+            <a:r>
+              <a:rPr lang="en-US" dirty="0" smtClean="0"/>
+              <a:t>Ajax</a:t>
+            </a:r>
+          </a:p>
+          <a:p>
+            <a:endParaRPr lang="en-US" dirty="0"/>
+          </a:p>
+          <a:p>
+            <a:r>
+              <a:rPr lang="en-US" dirty="0" smtClean="0"/>
+              <a:t>Extracting emotions from text</a:t>
+            </a:r>
+          </a:p>
+          <a:p>
+            <a:endParaRPr lang="en-US" dirty="0"/>
+          </a:p>
+          <a:p>
+            <a:r>
+              <a:rPr lang="en-US" dirty="0" err="1" smtClean="0"/>
+              <a:t>ML.Net</a:t>
+            </a:r>
+            <a:r>
+              <a:rPr lang="en-US" dirty="0" smtClean="0"/>
+              <a:t> library</a:t>
+            </a:r>
+          </a:p>
+          <a:p>
+            <a:endParaRPr lang="en-US" dirty="0"/>
+          </a:p>
+          <a:p>
+            <a:r>
+              <a:rPr lang="en-US" dirty="0" smtClean="0"/>
+              <a:t>Mobile Friendly</a:t>
+            </a:r>
+          </a:p>
+          <a:p>
+            <a:endParaRPr lang="en-US" dirty="0"/>
+          </a:p>
+        </p:txBody>
+      </p:sp>
     </p:spTree>
     <p:extLst>
       <p:ext uri="{BB962C8B-B14F-4D97-AF65-F5344CB8AC3E}">
-        <p14:creationId xmlns:p14="http://schemas.microsoft.com/office/powerpoint/2010/main" val="2370274954"/>
+        <p14:creationId xmlns:p14="http://schemas.microsoft.com/office/powerpoint/2010/main" val="3716468284"/>
       </p:ext>
     </p:extLst>
   </p:cSld>
@@ -4555,13 +4593,6 @@
       </p:transition>
     </mc:Fallback>
   </mc:AlternateContent>
-  <p:timing>
-    <p:tnLst>
-      <p:par>
-        <p:cTn id="1" dur="indefinite" restart="never" nodeType="tmRoot"/>
-      </p:par>
-    </p:tnLst>
-  </p:timing>
 </p:sld>
 </file>
 
@@ -4599,7 +4630,7 @@
           <a:p>
             <a:r>
               <a:rPr lang="en-US" dirty="0" smtClean="0"/>
-              <a:t>Difficulties</a:t>
+              <a:t>Project Future Realization</a:t>
             </a:r>
             <a:endParaRPr lang="en-US" dirty="0"/>
           </a:p>
@@ -4615,77 +4646,47 @@
             <p:ph idx="1"/>
           </p:nvPr>
         </p:nvSpPr>
-        <p:spPr>
-          <a:xfrm>
-            <a:off x="1219200" y="1346954"/>
-            <a:ext cx="10363200" cy="4572000"/>
-          </a:xfrm>
-        </p:spPr>
-        <p:txBody>
-          <a:bodyPr>
-            <a:normAutofit fontScale="85000" lnSpcReduction="20000"/>
-          </a:bodyPr>
+        <p:spPr/>
+        <p:txBody>
+          <a:bodyPr/>
           <a:lstStyle/>
           <a:p>
             <a:r>
               <a:rPr lang="en-US" dirty="0" smtClean="0"/>
-              <a:t>Sidebar when logged in</a:t>
-            </a:r>
-          </a:p>
-          <a:p>
-            <a:endParaRPr lang="en-US" dirty="0"/>
+              <a:t>A mobile version for both Android and IOS</a:t>
+            </a:r>
           </a:p>
           <a:p>
             <a:r>
               <a:rPr lang="en-US" dirty="0" smtClean="0"/>
-              <a:t>Calendar</a:t>
-            </a:r>
-          </a:p>
-          <a:p>
-            <a:endParaRPr lang="en-US" dirty="0"/>
-          </a:p>
-          <a:p>
+              <a:t>Different ways of logging in (Facebook, Google, </a:t>
+            </a:r>
+            <a:r>
+              <a:rPr lang="en-US" dirty="0" err="1" smtClean="0"/>
+              <a:t>GitHub</a:t>
+            </a:r>
             <a:r>
               <a:rPr lang="en-US" dirty="0" smtClean="0"/>
-              <a:t>Ajax</a:t>
-            </a:r>
-          </a:p>
-          <a:p>
-            <a:endParaRPr lang="en-US" dirty="0"/>
-          </a:p>
-          <a:p>
+              <a:t> </a:t>
+            </a:r>
+            <a:r>
+              <a:rPr lang="en-US" dirty="0" err="1" smtClean="0"/>
+              <a:t>etc</a:t>
+            </a:r>
             <a:r>
               <a:rPr lang="en-US" dirty="0" smtClean="0"/>
-              <a:t>Extracting emotions from </a:t>
-            </a:r>
+              <a:t>)</a:t>
+            </a:r>
+          </a:p>
+          <a:p>
             <a:r>
               <a:rPr lang="en-US" dirty="0" smtClean="0"/>
-              <a:t>text</a:t>
-            </a:r>
-          </a:p>
-          <a:p>
-            <a:endParaRPr lang="en-US" dirty="0"/>
-          </a:p>
-          <a:p>
-            <a:r>
-              <a:rPr lang="en-US" dirty="0" err="1" smtClean="0"/>
-              <a:t>ML.Net</a:t>
-            </a:r>
-            <a:r>
-              <a:rPr lang="en-US" dirty="0" smtClean="0"/>
-              <a:t> library</a:t>
-            </a:r>
-          </a:p>
-          <a:p>
-            <a:endParaRPr lang="en-US" dirty="0"/>
-          </a:p>
-          <a:p>
-            <a:r>
-              <a:rPr lang="en-US" dirty="0" smtClean="0"/>
-              <a:t>Mobile Friendly</a:t>
-            </a:r>
-          </a:p>
-          <a:p>
+              <a:t>Notifications based on </a:t>
+            </a:r>
+            <a:r>
+              <a:rPr lang="en-US" smtClean="0"/>
+              <a:t>user time zone</a:t>
+            </a:r>
             <a:endParaRPr lang="en-US" dirty="0"/>
           </a:p>
         </p:txBody>
@@ -4693,7 +4694,7 @@
     </p:spTree>
     <p:extLst>
       <p:ext uri="{BB962C8B-B14F-4D97-AF65-F5344CB8AC3E}">
-        <p14:creationId xmlns:p14="http://schemas.microsoft.com/office/powerpoint/2010/main" val="3716468284"/>
+        <p14:creationId xmlns:p14="http://schemas.microsoft.com/office/powerpoint/2010/main" val="1946974344"/>
       </p:ext>
     </p:extLst>
   </p:cSld>
@@ -4749,7 +4750,7 @@
           <a:p>
             <a:r>
               <a:rPr lang="en-US" dirty="0" smtClean="0"/>
-              <a:t>Project Future Realization</a:t>
+              <a:t>That’s all, folks!</a:t>
             </a:r>
             <a:endParaRPr lang="en-US" dirty="0"/>
           </a:p>
@@ -4772,43 +4773,7 @@
           <a:p>
             <a:r>
               <a:rPr lang="en-US" dirty="0" smtClean="0"/>
-              <a:t>A mobile version for both Android and </a:t>
-            </a:r>
-            <a:r>
-              <a:rPr lang="en-US" dirty="0" smtClean="0"/>
-              <a:t>IOS</a:t>
-            </a:r>
-          </a:p>
-          <a:p>
-            <a:r>
-              <a:rPr lang="en-US" dirty="0" smtClean="0"/>
-              <a:t>Different ways of logging in (Facebook, Google, </a:t>
-            </a:r>
-            <a:r>
-              <a:rPr lang="en-US" dirty="0" err="1" smtClean="0"/>
-              <a:t>GitHub</a:t>
-            </a:r>
-            <a:r>
-              <a:rPr lang="en-US" dirty="0" smtClean="0"/>
-              <a:t> </a:t>
-            </a:r>
-            <a:r>
-              <a:rPr lang="en-US" dirty="0" err="1" smtClean="0"/>
-              <a:t>etc</a:t>
-            </a:r>
-            <a:r>
-              <a:rPr lang="en-US" dirty="0" smtClean="0"/>
-              <a:t>)</a:t>
-            </a:r>
-          </a:p>
-          <a:p>
-            <a:r>
-              <a:rPr lang="en-US" dirty="0" smtClean="0"/>
-              <a:t>Notifications based on </a:t>
-            </a:r>
-            <a:r>
-              <a:rPr lang="en-US" smtClean="0"/>
-              <a:t>user time zone</a:t>
+              <a:t>Questions?</a:t>
             </a:r>
             <a:endParaRPr lang="en-US" dirty="0"/>
           </a:p>
@@ -4817,7 +4782,7 @@
     </p:spTree>
     <p:extLst>
       <p:ext uri="{BB962C8B-B14F-4D97-AF65-F5344CB8AC3E}">
-        <p14:creationId xmlns:p14="http://schemas.microsoft.com/office/powerpoint/2010/main" val="1946974344"/>
+        <p14:creationId xmlns:p14="http://schemas.microsoft.com/office/powerpoint/2010/main" val="2792188525"/>
       </p:ext>
     </p:extLst>
   </p:cSld>
@@ -4831,94 +4796,6 @@
       </p:transition>
     </mc:Choice>
     <mc:Fallback xmlns="">
-      <p:transition spd="med">
-        <p:fade/>
-      </p:transition>
-    </mc:Fallback>
-  </mc:AlternateContent>
-</p:sld>
-</file>
-
-<file path=ppt/slides/slide8.xml><?xml version="1.0" encoding="utf-8"?>
-<p:sld xmlns:a="http://schemas.openxmlformats.org/drawingml/2006/main" xmlns:r="http://schemas.openxmlformats.org/officeDocument/2006/relationships" xmlns:p="http://schemas.openxmlformats.org/presentationml/2006/main">
-  <p:cSld>
-    <p:spTree>
-      <p:nvGrpSpPr>
-        <p:cNvPr id="1" name=""/>
-        <p:cNvGrpSpPr/>
-        <p:nvPr/>
-      </p:nvGrpSpPr>
-      <p:grpSpPr>
-        <a:xfrm>
-          <a:off x="0" y="0"/>
-          <a:ext cx="0" cy="0"/>
-          <a:chOff x="0" y="0"/>
-          <a:chExt cx="0" cy="0"/>
-        </a:xfrm>
-      </p:grpSpPr>
-      <p:sp>
-        <p:nvSpPr>
-          <p:cNvPr id="2" name="Title 1"/>
-          <p:cNvSpPr>
-            <a:spLocks noGrp="1"/>
-          </p:cNvSpPr>
-          <p:nvPr>
-            <p:ph type="title"/>
-          </p:nvPr>
-        </p:nvSpPr>
-        <p:spPr/>
-        <p:txBody>
-          <a:bodyPr/>
-          <a:lstStyle/>
-          <a:p>
-            <a:r>
-              <a:rPr lang="en-US" dirty="0" smtClean="0"/>
-              <a:t>That’s all, folks!</a:t>
-            </a:r>
-            <a:endParaRPr lang="en-US" dirty="0"/>
-          </a:p>
-        </p:txBody>
-      </p:sp>
-      <p:sp>
-        <p:nvSpPr>
-          <p:cNvPr id="3" name="Content Placeholder 2"/>
-          <p:cNvSpPr>
-            <a:spLocks noGrp="1"/>
-          </p:cNvSpPr>
-          <p:nvPr>
-            <p:ph idx="1"/>
-          </p:nvPr>
-        </p:nvSpPr>
-        <p:spPr/>
-        <p:txBody>
-          <a:bodyPr/>
-          <a:lstStyle/>
-          <a:p>
-            <a:r>
-              <a:rPr lang="en-US" dirty="0" smtClean="0"/>
-              <a:t>Questions?</a:t>
-            </a:r>
-            <a:endParaRPr lang="en-US" dirty="0"/>
-          </a:p>
-        </p:txBody>
-      </p:sp>
-    </p:spTree>
-    <p:extLst>
-      <p:ext uri="{BB962C8B-B14F-4D97-AF65-F5344CB8AC3E}">
-        <p14:creationId xmlns:p14="http://schemas.microsoft.com/office/powerpoint/2010/main" val="2792188525"/>
-      </p:ext>
-    </p:extLst>
-  </p:cSld>
-  <p:clrMapOvr>
-    <a:masterClrMapping/>
-  </p:clrMapOvr>
-  <mc:AlternateContent xmlns:mc="http://schemas.openxmlformats.org/markup-compatibility/2006">
-    <mc:Choice xmlns:p14="http://schemas.microsoft.com/office/powerpoint/2010/main" Requires="p14">
-      <p:transition spd="med" p14:dur="700">
-        <p:fade/>
-      </p:transition>
-    </mc:Choice>
-    <mc:Fallback>
       <p:transition spd="med">
         <p:fade/>
       </p:transition>

--- a/IntelliMood.pptx
+++ b/IntelliMood.pptx
@@ -5,19 +5,18 @@
     <p:sldMasterId id="2147483696" r:id="rId1"/>
   </p:sldMasterIdLst>
   <p:notesMasterIdLst>
-    <p:notesMasterId r:id="rId9"/>
+    <p:notesMasterId r:id="rId8"/>
   </p:notesMasterIdLst>
   <p:handoutMasterIdLst>
-    <p:handoutMasterId r:id="rId10"/>
+    <p:handoutMasterId r:id="rId9"/>
   </p:handoutMasterIdLst>
   <p:sldIdLst>
     <p:sldId id="258" r:id="rId2"/>
     <p:sldId id="259" r:id="rId3"/>
     <p:sldId id="260" r:id="rId4"/>
     <p:sldId id="261" r:id="rId5"/>
-    <p:sldId id="263" r:id="rId6"/>
-    <p:sldId id="264" r:id="rId7"/>
-    <p:sldId id="266" r:id="rId8"/>
+    <p:sldId id="264" r:id="rId6"/>
+    <p:sldId id="266" r:id="rId7"/>
   </p:sldIdLst>
   <p:sldSz cx="12192000" cy="6858000"/>
   <p:notesSz cx="6858000" cy="9144000"/>
@@ -4045,7 +4044,25 @@
           <a:p>
             <a:r>
               <a:rPr lang="bg-BG" sz="2400" b="1" dirty="0"/>
-              <a:t>Евгени Димов</a:t>
+              <a:t>Анета Цветкова</a:t>
+            </a:r>
+            <a:r>
+              <a:rPr lang="en-US" sz="2400" b="1" dirty="0"/>
+              <a:t> - front-end, </a:t>
+            </a:r>
+            <a:r>
+              <a:rPr lang="en-US" sz="2400" b="1" dirty="0" smtClean="0"/>
+              <a:t>back-end</a:t>
+            </a:r>
+          </a:p>
+          <a:p>
+            <a:r>
+              <a:rPr lang="bg-BG" sz="2400" b="1" dirty="0" smtClean="0"/>
+              <a:t>Евгени </a:t>
+            </a:r>
+            <a:r>
+              <a:rPr lang="bg-BG" sz="2400" b="1" dirty="0"/>
+              <a:t>Димов</a:t>
             </a:r>
             <a:r>
               <a:rPr lang="en-US" sz="2400" b="1" dirty="0"/>
@@ -4062,18 +4079,12 @@
           </a:p>
           <a:p>
             <a:r>
+              <a:rPr lang="bg-BG" sz="2400" b="1" dirty="0" smtClean="0"/>
+              <a:t>Калин </a:t>
+            </a:r>
+            <a:r>
               <a:rPr lang="bg-BG" sz="2400" b="1" dirty="0"/>
-              <a:t>Анета Цветкова</a:t>
-            </a:r>
-            <a:r>
-              <a:rPr lang="en-US" sz="2400" b="1" dirty="0"/>
-              <a:t> - front-end, back-end</a:t>
-            </a:r>
-          </a:p>
-          <a:p>
-            <a:r>
-              <a:rPr lang="bg-BG" sz="2400" b="1" dirty="0"/>
-              <a:t>Калин Дойчев</a:t>
+              <a:t>Дойчев</a:t>
             </a:r>
             <a:r>
               <a:rPr lang="en-US" sz="2400" b="1" dirty="0"/>
@@ -4185,8 +4196,20 @@
           <a:p>
             <a:r>
               <a:rPr lang="en-US" dirty="0" smtClean="0"/>
-              <a:t>The app will ask how did your day went and depending on your answer will suggest activities, movies, books or music to help improve your mood. That way it will help decrease depression rates.</a:t>
-            </a:r>
+              <a:t>The app will ask how did your day went and depending on your answer will suggest activities, movies, books or music to help improve your mood. That way it will help decrease depression rates</a:t>
+            </a:r>
+            <a:r>
+              <a:rPr lang="en-US" dirty="0" smtClean="0"/>
+              <a:t>.</a:t>
+            </a:r>
+          </a:p>
+          <a:p>
+            <a:endParaRPr lang="en-US" dirty="0"/>
+          </a:p>
+          <a:p>
+            <a:pPr marL="68580" indent="0">
+              <a:buNone/>
+            </a:pPr>
             <a:endParaRPr lang="en-US" dirty="0"/>
           </a:p>
         </p:txBody>
@@ -4484,7 +4507,7 @@
           <a:p>
             <a:r>
               <a:rPr lang="en-US" dirty="0" smtClean="0"/>
-              <a:t>Difficulties</a:t>
+              <a:t>Project Future Realization</a:t>
             </a:r>
             <a:endParaRPr lang="en-US" dirty="0"/>
           </a:p>
@@ -4500,174 +4523,18 @@
             <p:ph idx="1"/>
           </p:nvPr>
         </p:nvSpPr>
-        <p:spPr>
-          <a:xfrm>
-            <a:off x="1219200" y="1346954"/>
-            <a:ext cx="10363200" cy="4572000"/>
-          </a:xfrm>
-        </p:spPr>
-        <p:txBody>
-          <a:bodyPr>
-            <a:normAutofit fontScale="85000" lnSpcReduction="20000"/>
-          </a:bodyPr>
+        <p:spPr/>
+        <p:txBody>
+          <a:bodyPr/>
           <a:lstStyle/>
           <a:p>
             <a:r>
               <a:rPr lang="en-US" dirty="0" smtClean="0"/>
-              <a:t>Sidebar when logged in</a:t>
-            </a:r>
-          </a:p>
-          <a:p>
-            <a:endParaRPr lang="en-US" dirty="0"/>
-          </a:p>
-          <a:p>
+              <a:t>Different </a:t>
+            </a:r>
             <a:r>
               <a:rPr lang="en-US" dirty="0" smtClean="0"/>
-              <a:t>Calendar</a:t>
-            </a:r>
-          </a:p>
-          <a:p>
-            <a:endParaRPr lang="en-US" dirty="0"/>
-          </a:p>
-          <a:p>
-            <a:r>
-              <a:rPr lang="en-US" dirty="0" smtClean="0"/>
-              <a:t>Ajax</a:t>
-            </a:r>
-          </a:p>
-          <a:p>
-            <a:endParaRPr lang="en-US" dirty="0"/>
-          </a:p>
-          <a:p>
-            <a:r>
-              <a:rPr lang="en-US" dirty="0" smtClean="0"/>
-              <a:t>Extracting emotions from text</a:t>
-            </a:r>
-          </a:p>
-          <a:p>
-            <a:endParaRPr lang="en-US" dirty="0"/>
-          </a:p>
-          <a:p>
-            <a:r>
-              <a:rPr lang="en-US" dirty="0" err="1" smtClean="0"/>
-              <a:t>ML.Net</a:t>
-            </a:r>
-            <a:r>
-              <a:rPr lang="en-US" dirty="0" smtClean="0"/>
-              <a:t> library</a:t>
-            </a:r>
-          </a:p>
-          <a:p>
-            <a:endParaRPr lang="en-US" dirty="0"/>
-          </a:p>
-          <a:p>
-            <a:r>
-              <a:rPr lang="en-US" dirty="0" smtClean="0"/>
-              <a:t>Mobile Friendly</a:t>
-            </a:r>
-          </a:p>
-          <a:p>
-            <a:endParaRPr lang="en-US" dirty="0"/>
-          </a:p>
-        </p:txBody>
-      </p:sp>
-    </p:spTree>
-    <p:extLst>
-      <p:ext uri="{BB962C8B-B14F-4D97-AF65-F5344CB8AC3E}">
-        <p14:creationId xmlns:p14="http://schemas.microsoft.com/office/powerpoint/2010/main" val="3716468284"/>
-      </p:ext>
-    </p:extLst>
-  </p:cSld>
-  <p:clrMapOvr>
-    <a:masterClrMapping/>
-  </p:clrMapOvr>
-  <mc:AlternateContent xmlns:mc="http://schemas.openxmlformats.org/markup-compatibility/2006" xmlns:p14="http://schemas.microsoft.com/office/powerpoint/2010/main">
-    <mc:Choice Requires="p14">
-      <p:transition spd="med" p14:dur="700">
-        <p:fade/>
-      </p:transition>
-    </mc:Choice>
-    <mc:Fallback xmlns="">
-      <p:transition spd="med">
-        <p:fade/>
-      </p:transition>
-    </mc:Fallback>
-  </mc:AlternateContent>
-</p:sld>
-</file>
-
-<file path=ppt/slides/slide6.xml><?xml version="1.0" encoding="utf-8"?>
-<p:sld xmlns:a="http://schemas.openxmlformats.org/drawingml/2006/main" xmlns:r="http://schemas.openxmlformats.org/officeDocument/2006/relationships" xmlns:p="http://schemas.openxmlformats.org/presentationml/2006/main">
-  <p:cSld>
-    <p:spTree>
-      <p:nvGrpSpPr>
-        <p:cNvPr id="1" name=""/>
-        <p:cNvGrpSpPr/>
-        <p:nvPr/>
-      </p:nvGrpSpPr>
-      <p:grpSpPr>
-        <a:xfrm>
-          <a:off x="0" y="0"/>
-          <a:ext cx="0" cy="0"/>
-          <a:chOff x="0" y="0"/>
-          <a:chExt cx="0" cy="0"/>
-        </a:xfrm>
-      </p:grpSpPr>
-      <p:sp>
-        <p:nvSpPr>
-          <p:cNvPr id="2" name="Title 1"/>
-          <p:cNvSpPr>
-            <a:spLocks noGrp="1"/>
-          </p:cNvSpPr>
-          <p:nvPr>
-            <p:ph type="title"/>
-          </p:nvPr>
-        </p:nvSpPr>
-        <p:spPr/>
-        <p:txBody>
-          <a:bodyPr/>
-          <a:lstStyle/>
-          <a:p>
-            <a:r>
-              <a:rPr lang="en-US" dirty="0" smtClean="0"/>
-              <a:t>Project Future Realization</a:t>
-            </a:r>
-            <a:endParaRPr lang="en-US" dirty="0"/>
-          </a:p>
-        </p:txBody>
-      </p:sp>
-      <p:sp>
-        <p:nvSpPr>
-          <p:cNvPr id="3" name="Content Placeholder 2"/>
-          <p:cNvSpPr>
-            <a:spLocks noGrp="1"/>
-          </p:cNvSpPr>
-          <p:nvPr>
-            <p:ph idx="1"/>
-          </p:nvPr>
-        </p:nvSpPr>
-        <p:spPr/>
-        <p:txBody>
-          <a:bodyPr/>
-          <a:lstStyle/>
-          <a:p>
-            <a:r>
-              <a:rPr lang="en-US" dirty="0" smtClean="0"/>
-              <a:t>A mobile version for both Android and IOS</a:t>
-            </a:r>
-          </a:p>
-          <a:p>
-            <a:r>
-              <a:rPr lang="en-US" dirty="0" smtClean="0"/>
-              <a:t>Different ways of logging in (Facebook, Google, </a:t>
-            </a:r>
-            <a:r>
-              <a:rPr lang="en-US" dirty="0" err="1" smtClean="0"/>
-              <a:t>GitHub</a:t>
-            </a:r>
-            <a:r>
-              <a:rPr lang="en-US" dirty="0" smtClean="0"/>
-              <a:t> </a:t>
+              <a:t>ways of logging in (Facebook, Google, GitHub </a:t>
             </a:r>
             <a:r>
               <a:rPr lang="en-US" dirty="0" err="1" smtClean="0"/>
@@ -4681,11 +4548,7 @@
           <a:p>
             <a:r>
               <a:rPr lang="en-US" dirty="0" smtClean="0"/>
-              <a:t>Notifications based on </a:t>
-            </a:r>
-            <a:r>
-              <a:rPr lang="en-US" smtClean="0"/>
-              <a:t>user time zone</a:t>
+              <a:t>Notifications based on user time zone</a:t>
             </a:r>
             <a:endParaRPr lang="en-US" dirty="0"/>
           </a:p>
@@ -4713,10 +4576,17 @@
       </p:transition>
     </mc:Fallback>
   </mc:AlternateContent>
+  <p:timing>
+    <p:tnLst>
+      <p:par>
+        <p:cTn id="1" dur="indefinite" restart="never" nodeType="tmRoot"/>
+      </p:par>
+    </p:tnLst>
+  </p:timing>
 </p:sld>
 </file>
 
-<file path=ppt/slides/slide7.xml><?xml version="1.0" encoding="utf-8"?>
+<file path=ppt/slides/slide6.xml><?xml version="1.0" encoding="utf-8"?>
 <p:sld xmlns:a="http://schemas.openxmlformats.org/drawingml/2006/main" xmlns:r="http://schemas.openxmlformats.org/officeDocument/2006/relationships" xmlns:p="http://schemas.openxmlformats.org/presentationml/2006/main">
   <p:cSld>
     <p:spTree>
@@ -4801,6 +4671,13 @@
       </p:transition>
     </mc:Fallback>
   </mc:AlternateContent>
+  <p:timing>
+    <p:tnLst>
+      <p:par>
+        <p:cTn id="1" dur="indefinite" restart="never" nodeType="tmRoot"/>
+      </p:par>
+    </p:tnLst>
+  </p:timing>
 </p:sld>
 </file>
 
